--- a/MVC - SpringMVC.pptx
+++ b/MVC - SpringMVC.pptx
@@ -214,7 +214,7 @@
           <a:p>
             <a:fld id="{DFF5E6C7-E772-4EE4-8468-12B64C4AFE22}" type="datetimeFigureOut">
               <a:rPr lang="fr-FR" smtClean="0"/>
-              <a:t>18/02/2020</a:t>
+              <a:t>20/02/2020</a:t>
             </a:fld>
             <a:endParaRPr lang="fr-FR"/>
           </a:p>
@@ -428,7 +428,7 @@
           <a:p>
             <a:fld id="{BD345A3A-8E2B-44C3-8D4B-C24C1737E087}" type="datetimeFigureOut">
               <a:rPr lang="fr-FR" smtClean="0"/>
-              <a:t>18/02/2020</a:t>
+              <a:t>20/02/2020</a:t>
             </a:fld>
             <a:endParaRPr lang="fr-FR"/>
           </a:p>
@@ -598,7 +598,7 @@
           <a:p>
             <a:fld id="{BD345A3A-8E2B-44C3-8D4B-C24C1737E087}" type="datetimeFigureOut">
               <a:rPr lang="fr-FR" smtClean="0"/>
-              <a:t>18/02/2020</a:t>
+              <a:t>20/02/2020</a:t>
             </a:fld>
             <a:endParaRPr lang="fr-FR"/>
           </a:p>
@@ -778,7 +778,7 @@
           <a:p>
             <a:fld id="{BD345A3A-8E2B-44C3-8D4B-C24C1737E087}" type="datetimeFigureOut">
               <a:rPr lang="fr-FR" smtClean="0"/>
-              <a:t>18/02/2020</a:t>
+              <a:t>20/02/2020</a:t>
             </a:fld>
             <a:endParaRPr lang="fr-FR"/>
           </a:p>
@@ -948,7 +948,7 @@
           <a:p>
             <a:fld id="{BD345A3A-8E2B-44C3-8D4B-C24C1737E087}" type="datetimeFigureOut">
               <a:rPr lang="fr-FR" smtClean="0"/>
-              <a:t>18/02/2020</a:t>
+              <a:t>20/02/2020</a:t>
             </a:fld>
             <a:endParaRPr lang="fr-FR"/>
           </a:p>
@@ -1194,7 +1194,7 @@
           <a:p>
             <a:fld id="{BD345A3A-8E2B-44C3-8D4B-C24C1737E087}" type="datetimeFigureOut">
               <a:rPr lang="fr-FR" smtClean="0"/>
-              <a:t>18/02/2020</a:t>
+              <a:t>20/02/2020</a:t>
             </a:fld>
             <a:endParaRPr lang="fr-FR"/>
           </a:p>
@@ -1426,7 +1426,7 @@
           <a:p>
             <a:fld id="{BD345A3A-8E2B-44C3-8D4B-C24C1737E087}" type="datetimeFigureOut">
               <a:rPr lang="fr-FR" smtClean="0"/>
-              <a:t>18/02/2020</a:t>
+              <a:t>20/02/2020</a:t>
             </a:fld>
             <a:endParaRPr lang="fr-FR"/>
           </a:p>
@@ -1793,7 +1793,7 @@
           <a:p>
             <a:fld id="{BD345A3A-8E2B-44C3-8D4B-C24C1737E087}" type="datetimeFigureOut">
               <a:rPr lang="fr-FR" smtClean="0"/>
-              <a:t>18/02/2020</a:t>
+              <a:t>20/02/2020</a:t>
             </a:fld>
             <a:endParaRPr lang="fr-FR"/>
           </a:p>
@@ -1911,7 +1911,7 @@
           <a:p>
             <a:fld id="{BD345A3A-8E2B-44C3-8D4B-C24C1737E087}" type="datetimeFigureOut">
               <a:rPr lang="fr-FR" smtClean="0"/>
-              <a:t>18/02/2020</a:t>
+              <a:t>20/02/2020</a:t>
             </a:fld>
             <a:endParaRPr lang="fr-FR"/>
           </a:p>
@@ -2006,7 +2006,7 @@
           <a:p>
             <a:fld id="{BD345A3A-8E2B-44C3-8D4B-C24C1737E087}" type="datetimeFigureOut">
               <a:rPr lang="fr-FR" smtClean="0"/>
-              <a:t>18/02/2020</a:t>
+              <a:t>20/02/2020</a:t>
             </a:fld>
             <a:endParaRPr lang="fr-FR"/>
           </a:p>
@@ -2283,7 +2283,7 @@
           <a:p>
             <a:fld id="{BD345A3A-8E2B-44C3-8D4B-C24C1737E087}" type="datetimeFigureOut">
               <a:rPr lang="fr-FR" smtClean="0"/>
-              <a:t>18/02/2020</a:t>
+              <a:t>20/02/2020</a:t>
             </a:fld>
             <a:endParaRPr lang="fr-FR"/>
           </a:p>
@@ -2536,7 +2536,7 @@
           <a:p>
             <a:fld id="{BD345A3A-8E2B-44C3-8D4B-C24C1737E087}" type="datetimeFigureOut">
               <a:rPr lang="fr-FR" smtClean="0"/>
-              <a:t>18/02/2020</a:t>
+              <a:t>20/02/2020</a:t>
             </a:fld>
             <a:endParaRPr lang="fr-FR"/>
           </a:p>
@@ -2749,7 +2749,7 @@
           <a:p>
             <a:fld id="{BD345A3A-8E2B-44C3-8D4B-C24C1737E087}" type="datetimeFigureOut">
               <a:rPr lang="fr-FR" smtClean="0"/>
-              <a:t>18/02/2020</a:t>
+              <a:t>20/02/2020</a:t>
             </a:fld>
             <a:endParaRPr lang="fr-FR"/>
           </a:p>
@@ -7696,8 +7696,8 @@
         </p:nvSpPr>
         <p:spPr>
           <a:xfrm>
-            <a:off x="1883345" y="1535826"/>
-            <a:ext cx="8704446" cy="3170099"/>
+            <a:off x="1479084" y="977561"/>
+            <a:ext cx="8704446" cy="4154984"/>
           </a:xfrm>
           <a:prstGeom prst="rect">
             <a:avLst/>
@@ -7710,276 +7710,169 @@
           <a:lstStyle/>
           <a:p>
             <a:r>
-              <a:rPr lang="fr-FR" sz="2000" i="1" dirty="0">
-                <a:latin typeface="neuzeitgro"/>
-              </a:rPr>
+              <a:rPr lang="fr-FR" sz="2400" dirty="0"/>
+              <a:t> &lt;</a:t>
+            </a:r>
+            <a:r>
+              <a:rPr lang="fr-FR" sz="2400" dirty="0" err="1"/>
+              <a:t>listener</a:t>
+            </a:r>
+            <a:r>
+              <a:rPr lang="fr-FR" sz="2400" dirty="0"/>
+              <a:t>&gt;</a:t>
+            </a:r>
+          </a:p>
+          <a:p>
+            <a:r>
+              <a:rPr lang="fr-FR" sz="2400" dirty="0"/>
+              <a:t>  &lt;</a:t>
+            </a:r>
+            <a:r>
+              <a:rPr lang="fr-FR" sz="2400" dirty="0" err="1"/>
+              <a:t>listener</a:t>
+            </a:r>
+            <a:r>
+              <a:rPr lang="fr-FR" sz="2400" dirty="0"/>
+              <a:t>-class&gt; </a:t>
+            </a:r>
+          </a:p>
+          <a:p>
+            <a:r>
+              <a:rPr lang="fr-FR" sz="2400" dirty="0" smtClean="0"/>
+              <a:t>	</a:t>
+            </a:r>
+            <a:r>
+              <a:rPr lang="fr-FR" sz="2400" dirty="0" err="1" smtClean="0"/>
+              <a:t>org.springframework.web.context.ContextLoaderListener</a:t>
+            </a:r>
+            <a:r>
+              <a:rPr lang="fr-FR" sz="2400" dirty="0" smtClean="0"/>
+              <a:t> </a:t>
+            </a:r>
+            <a:endParaRPr lang="fr-FR" sz="2400" dirty="0"/>
+          </a:p>
+          <a:p>
+            <a:r>
+              <a:rPr lang="fr-FR" sz="2400" dirty="0"/>
+              <a:t>&lt;/</a:t>
+            </a:r>
+            <a:r>
+              <a:rPr lang="fr-FR" sz="2400" dirty="0" err="1"/>
+              <a:t>listener</a:t>
+            </a:r>
+            <a:r>
+              <a:rPr lang="fr-FR" sz="2400" dirty="0"/>
+              <a:t>-class&gt;</a:t>
+            </a:r>
+          </a:p>
+          <a:p>
+            <a:r>
+              <a:rPr lang="fr-FR" sz="2400" dirty="0"/>
+              <a:t>&lt;/</a:t>
+            </a:r>
+            <a:r>
+              <a:rPr lang="fr-FR" sz="2400" dirty="0" err="1"/>
+              <a:t>listener</a:t>
+            </a:r>
+            <a:r>
+              <a:rPr lang="fr-FR" sz="2400" dirty="0"/>
+              <a:t>&gt;</a:t>
+            </a:r>
+          </a:p>
+          <a:p>
+            <a:endParaRPr lang="fr-FR" sz="2400" dirty="0"/>
+          </a:p>
+          <a:p>
+            <a:r>
+              <a:rPr lang="fr-FR" sz="2400" dirty="0"/>
               <a:t>&lt;</a:t>
             </a:r>
             <a:r>
-              <a:rPr lang="fr-FR" sz="2000" i="1" dirty="0" err="1">
-                <a:latin typeface="neuzeitgro"/>
-              </a:rPr>
-              <a:t>listener</a:t>
-            </a:r>
-            <a:r>
-              <a:rPr lang="fr-FR" sz="2000" i="1" dirty="0">
-                <a:latin typeface="neuzeitgro"/>
-              </a:rPr>
+              <a:rPr lang="fr-FR" sz="2400" dirty="0" err="1"/>
+              <a:t>context-param</a:t>
+            </a:r>
+            <a:r>
+              <a:rPr lang="fr-FR" sz="2400" dirty="0"/>
               <a:t>&gt;</a:t>
             </a:r>
-            <a:r>
-              <a:rPr lang="fr-FR" sz="2000" dirty="0"/>
-              <a:t/>
-            </a:r>
-            <a:br>
-              <a:rPr lang="fr-FR" sz="2000" dirty="0"/>
-            </a:br>
-            <a:r>
-              <a:rPr lang="fr-FR" sz="2000" dirty="0" smtClean="0"/>
-              <a:t>	</a:t>
-            </a:r>
-            <a:r>
-              <a:rPr lang="fr-FR" sz="2000" i="1" dirty="0" smtClean="0">
-                <a:latin typeface="neuzeitgro"/>
-              </a:rPr>
+          </a:p>
+          <a:p>
+            <a:r>
+              <a:rPr lang="fr-FR" sz="2400" dirty="0"/>
               <a:t>&lt;</a:t>
             </a:r>
             <a:r>
-              <a:rPr lang="fr-FR" sz="2000" i="1" dirty="0" err="1" smtClean="0">
-                <a:latin typeface="neuzeitgro"/>
-              </a:rPr>
-              <a:t>listener</a:t>
-            </a:r>
-            <a:r>
-              <a:rPr lang="fr-FR" sz="2000" i="1" dirty="0" smtClean="0">
-                <a:latin typeface="neuzeitgro"/>
-              </a:rPr>
-              <a:t>-class&gt; </a:t>
-            </a:r>
-          </a:p>
-          <a:p>
-            <a:r>
-              <a:rPr lang="fr-FR" sz="2000" i="1" dirty="0" err="1" smtClean="0">
-                <a:latin typeface="neuzeitgro"/>
-              </a:rPr>
-              <a:t>org.springframework.web.context.ContextLoaderListener</a:t>
-            </a:r>
-            <a:r>
-              <a:rPr lang="fr-FR" sz="2000" i="1" dirty="0" smtClean="0">
-                <a:latin typeface="neuzeitgro"/>
-              </a:rPr>
-              <a:t> </a:t>
-            </a:r>
-          </a:p>
-          <a:p>
-            <a:r>
-              <a:rPr lang="fr-FR" sz="2000" i="1" dirty="0">
-                <a:latin typeface="neuzeitgro"/>
-              </a:rPr>
-              <a:t>	</a:t>
-            </a:r>
-            <a:r>
-              <a:rPr lang="fr-FR" sz="2000" i="1" dirty="0" smtClean="0">
-                <a:latin typeface="neuzeitgro"/>
-              </a:rPr>
+              <a:rPr lang="fr-FR" sz="2400" dirty="0" err="1"/>
+              <a:t>param-name</a:t>
+            </a:r>
+            <a:r>
+              <a:rPr lang="fr-FR" sz="2400" dirty="0"/>
+              <a:t>&gt;</a:t>
+            </a:r>
+            <a:r>
+              <a:rPr lang="fr-FR" sz="2400" dirty="0" err="1"/>
+              <a:t>contextConfigLocation</a:t>
+            </a:r>
+            <a:r>
+              <a:rPr lang="fr-FR" sz="2400" dirty="0"/>
               <a:t>&lt;/</a:t>
             </a:r>
             <a:r>
-              <a:rPr lang="fr-FR" sz="2000" i="1" dirty="0" err="1" smtClean="0">
-                <a:latin typeface="neuzeitgro"/>
-              </a:rPr>
-              <a:t>listener</a:t>
-            </a:r>
-            <a:r>
-              <a:rPr lang="fr-FR" sz="2000" i="1" dirty="0" smtClean="0">
-                <a:latin typeface="neuzeitgro"/>
-              </a:rPr>
-              <a:t>-class&gt;</a:t>
-            </a:r>
-            <a:r>
-              <a:rPr lang="fr-FR" sz="2000" dirty="0" smtClean="0"/>
-              <a:t/>
-            </a:r>
-            <a:br>
-              <a:rPr lang="fr-FR" sz="2000" dirty="0" smtClean="0"/>
-            </a:br>
-            <a:r>
-              <a:rPr lang="fr-FR" sz="2000" i="1" dirty="0" smtClean="0">
-                <a:latin typeface="neuzeitgro"/>
-              </a:rPr>
+              <a:rPr lang="fr-FR" sz="2400" dirty="0" err="1"/>
+              <a:t>param-name</a:t>
+            </a:r>
+            <a:r>
+              <a:rPr lang="fr-FR" sz="2400" dirty="0"/>
+              <a:t>&gt;</a:t>
+            </a:r>
+          </a:p>
+          <a:p>
+            <a:r>
+              <a:rPr lang="fr-FR" sz="2400" dirty="0" smtClean="0"/>
+              <a:t>	&lt;</a:t>
+            </a:r>
+            <a:r>
+              <a:rPr lang="fr-FR" sz="2400" dirty="0" err="1" smtClean="0"/>
+              <a:t>param</a:t>
+            </a:r>
+            <a:r>
+              <a:rPr lang="fr-FR" sz="2400" dirty="0" smtClean="0"/>
+              <a:t>-value&gt;</a:t>
+            </a:r>
+            <a:r>
+              <a:rPr lang="fr-FR" sz="2400" smtClean="0"/>
+              <a:t>classpath:springContext.xml</a:t>
+            </a:r>
+            <a:endParaRPr lang="fr-FR" sz="2400" dirty="0"/>
+          </a:p>
+          <a:p>
+            <a:r>
+              <a:rPr lang="fr-FR" sz="2400" dirty="0"/>
               <a:t>&lt;/</a:t>
             </a:r>
             <a:r>
-              <a:rPr lang="fr-FR" sz="2000" i="1" dirty="0" err="1">
-                <a:latin typeface="neuzeitgro"/>
-              </a:rPr>
-              <a:t>listener</a:t>
-            </a:r>
-            <a:r>
-              <a:rPr lang="fr-FR" sz="2000" i="1" dirty="0" smtClean="0">
-                <a:latin typeface="neuzeitgro"/>
-              </a:rPr>
+              <a:rPr lang="fr-FR" sz="2400" dirty="0" err="1"/>
+              <a:t>param</a:t>
+            </a:r>
+            <a:r>
+              <a:rPr lang="fr-FR" sz="2400" dirty="0"/>
+              <a:t>-value&gt;</a:t>
+            </a:r>
+          </a:p>
+          <a:p>
+            <a:r>
+              <a:rPr lang="fr-FR" sz="2400" dirty="0"/>
+              <a:t>&lt;/</a:t>
+            </a:r>
+            <a:r>
+              <a:rPr lang="fr-FR" sz="2400" dirty="0" err="1"/>
+              <a:t>context-param</a:t>
+            </a:r>
+            <a:r>
+              <a:rPr lang="fr-FR" sz="2400" dirty="0"/>
               <a:t>&gt;</a:t>
             </a:r>
-          </a:p>
-          <a:p>
-            <a:r>
-              <a:rPr lang="fr-FR" sz="2000" dirty="0"/>
-              <a:t/>
-            </a:r>
-            <a:br>
-              <a:rPr lang="fr-FR" sz="2000" dirty="0"/>
-            </a:br>
-            <a:r>
-              <a:rPr lang="fr-FR" sz="2000" i="1" dirty="0">
-                <a:latin typeface="neuzeitgro"/>
-              </a:rPr>
-              <a:t>&lt;</a:t>
-            </a:r>
-            <a:r>
-              <a:rPr lang="fr-FR" sz="2000" i="1" dirty="0" err="1">
-                <a:latin typeface="neuzeitgro"/>
-              </a:rPr>
-              <a:t>context-param</a:t>
-            </a:r>
-            <a:r>
-              <a:rPr lang="fr-FR" sz="2000" i="1" dirty="0">
-                <a:latin typeface="neuzeitgro"/>
-              </a:rPr>
-              <a:t>&gt;</a:t>
-            </a:r>
-            <a:r>
-              <a:rPr lang="fr-FR" sz="2000" dirty="0"/>
-              <a:t/>
-            </a:r>
-            <a:br>
-              <a:rPr lang="fr-FR" sz="2000" dirty="0"/>
-            </a:br>
-            <a:r>
-              <a:rPr lang="fr-FR" sz="2000" dirty="0" smtClean="0"/>
-              <a:t>	</a:t>
-            </a:r>
-            <a:r>
-              <a:rPr lang="fr-FR" sz="2000" i="1" dirty="0" smtClean="0">
-                <a:latin typeface="neuzeitgro"/>
-              </a:rPr>
-              <a:t>&lt;</a:t>
-            </a:r>
-            <a:r>
-              <a:rPr lang="fr-FR" sz="2000" i="1" dirty="0" err="1">
-                <a:latin typeface="neuzeitgro"/>
-              </a:rPr>
-              <a:t>param-name</a:t>
-            </a:r>
-            <a:r>
-              <a:rPr lang="fr-FR" sz="2000" i="1" dirty="0">
-                <a:latin typeface="neuzeitgro"/>
-              </a:rPr>
-              <a:t>&gt;</a:t>
-            </a:r>
-            <a:r>
-              <a:rPr lang="fr-FR" sz="2000" i="1" dirty="0" err="1">
-                <a:latin typeface="neuzeitgro"/>
-              </a:rPr>
-              <a:t>contextConfigLocation</a:t>
-            </a:r>
-            <a:r>
-              <a:rPr lang="fr-FR" sz="2000" i="1" dirty="0">
-                <a:latin typeface="neuzeitgro"/>
-              </a:rPr>
-              <a:t>&lt;/</a:t>
-            </a:r>
-            <a:r>
-              <a:rPr lang="fr-FR" sz="2000" i="1" dirty="0" err="1">
-                <a:latin typeface="neuzeitgro"/>
-              </a:rPr>
-              <a:t>param-name</a:t>
-            </a:r>
-            <a:r>
-              <a:rPr lang="fr-FR" sz="2000" i="1" dirty="0">
-                <a:latin typeface="neuzeitgro"/>
-              </a:rPr>
-              <a:t>&gt;</a:t>
-            </a:r>
-            <a:r>
-              <a:rPr lang="fr-FR" sz="2000" dirty="0"/>
-              <a:t/>
-            </a:r>
-            <a:br>
-              <a:rPr lang="fr-FR" sz="2000" dirty="0"/>
-            </a:br>
-            <a:r>
-              <a:rPr lang="fr-FR" sz="2000" dirty="0" smtClean="0"/>
-              <a:t>	</a:t>
-            </a:r>
-            <a:r>
-              <a:rPr lang="fr-FR" sz="2000" i="1" dirty="0" smtClean="0">
-                <a:latin typeface="neuzeitgro"/>
-              </a:rPr>
-              <a:t>&lt;</a:t>
-            </a:r>
-            <a:r>
-              <a:rPr lang="fr-FR" sz="2000" i="1" dirty="0" err="1">
-                <a:latin typeface="neuzeitgro"/>
-              </a:rPr>
-              <a:t>param</a:t>
-            </a:r>
-            <a:r>
-              <a:rPr lang="fr-FR" sz="2000" i="1" dirty="0">
-                <a:latin typeface="neuzeitgro"/>
-              </a:rPr>
-              <a:t>-value&gt;</a:t>
-            </a:r>
-            <a:r>
-              <a:rPr lang="fr-FR" sz="2000" i="1" dirty="0" err="1">
-                <a:latin typeface="neuzeitgro"/>
-              </a:rPr>
-              <a:t>classpath:spring-context.xml</a:t>
-            </a:r>
-            <a:r>
-              <a:rPr lang="fr-FR" sz="2000" i="1" dirty="0">
-                <a:latin typeface="neuzeitgro"/>
-              </a:rPr>
-              <a:t>&lt;/</a:t>
-            </a:r>
-            <a:r>
-              <a:rPr lang="fr-FR" sz="2000" i="1" dirty="0" err="1">
-                <a:latin typeface="neuzeitgro"/>
-              </a:rPr>
-              <a:t>param</a:t>
-            </a:r>
-            <a:r>
-              <a:rPr lang="fr-FR" sz="2000" i="1" dirty="0">
-                <a:latin typeface="neuzeitgro"/>
-              </a:rPr>
-              <a:t>-value&gt;</a:t>
-            </a:r>
-            <a:r>
-              <a:rPr lang="fr-FR" sz="2000" dirty="0"/>
-              <a:t/>
-            </a:r>
-            <a:br>
-              <a:rPr lang="fr-FR" sz="2000" dirty="0"/>
-            </a:br>
-            <a:r>
-              <a:rPr lang="fr-FR" sz="2000" i="1" dirty="0">
-                <a:latin typeface="neuzeitgro"/>
-              </a:rPr>
-              <a:t>&lt;/</a:t>
-            </a:r>
-            <a:r>
-              <a:rPr lang="fr-FR" sz="2000" i="1" dirty="0" err="1">
-                <a:latin typeface="neuzeitgro"/>
-              </a:rPr>
-              <a:t>context-param</a:t>
-            </a:r>
-            <a:r>
-              <a:rPr lang="fr-FR" sz="2000" i="1" dirty="0">
-                <a:latin typeface="neuzeitgro"/>
-              </a:rPr>
-              <a:t>&gt;</a:t>
-            </a:r>
-            <a:endParaRPr lang="fr-FR" sz="2000" dirty="0"/>
+            <a:endParaRPr lang="fr-FR" sz="2400" dirty="0"/>
           </a:p>
         </p:txBody>
       </p:sp>
